--- a/For_paper/Flow.pptx
+++ b/For_paper/Flow.pptx
@@ -197,7 +197,7 @@
           <a:p>
             <a:fld id="{A8F44D15-86FF-4F19-B4FC-C5A0931B9097}" type="datetimeFigureOut">
               <a:rPr kumimoji="1" lang="ja-JP" altLang="en-US" smtClean="0"/>
-              <a:t>2016/2/22</a:t>
+              <a:t>2016/5/31</a:t>
             </a:fld>
             <a:endParaRPr kumimoji="1" lang="ja-JP" altLang="en-US"/>
           </a:p>
@@ -628,7 +628,7 @@
           <a:p>
             <a:fld id="{D9EEF076-5A5E-47FD-AACD-14A7E672754C}" type="datetimeFigureOut">
               <a:rPr kumimoji="1" lang="ja-JP" altLang="en-US" smtClean="0"/>
-              <a:t>2016/2/22</a:t>
+              <a:t>2016/5/31</a:t>
             </a:fld>
             <a:endParaRPr kumimoji="1" lang="ja-JP" altLang="en-US"/>
           </a:p>
@@ -830,7 +830,7 @@
           <a:p>
             <a:fld id="{D9EEF076-5A5E-47FD-AACD-14A7E672754C}" type="datetimeFigureOut">
               <a:rPr kumimoji="1" lang="ja-JP" altLang="en-US" smtClean="0"/>
-              <a:t>2016/2/22</a:t>
+              <a:t>2016/5/31</a:t>
             </a:fld>
             <a:endParaRPr kumimoji="1" lang="ja-JP" altLang="en-US"/>
           </a:p>
@@ -1042,7 +1042,7 @@
           <a:p>
             <a:fld id="{D9EEF076-5A5E-47FD-AACD-14A7E672754C}" type="datetimeFigureOut">
               <a:rPr kumimoji="1" lang="ja-JP" altLang="en-US" smtClean="0"/>
-              <a:t>2016/2/22</a:t>
+              <a:t>2016/5/31</a:t>
             </a:fld>
             <a:endParaRPr kumimoji="1" lang="ja-JP" altLang="en-US"/>
           </a:p>
@@ -1244,7 +1244,7 @@
           <a:p>
             <a:fld id="{D9EEF076-5A5E-47FD-AACD-14A7E672754C}" type="datetimeFigureOut">
               <a:rPr kumimoji="1" lang="ja-JP" altLang="en-US" smtClean="0"/>
-              <a:t>2016/2/22</a:t>
+              <a:t>2016/5/31</a:t>
             </a:fld>
             <a:endParaRPr kumimoji="1" lang="ja-JP" altLang="en-US"/>
           </a:p>
@@ -1490,7 +1490,7 @@
           <a:p>
             <a:fld id="{D9EEF076-5A5E-47FD-AACD-14A7E672754C}" type="datetimeFigureOut">
               <a:rPr kumimoji="1" lang="ja-JP" altLang="en-US" smtClean="0"/>
-              <a:t>2016/2/22</a:t>
+              <a:t>2016/5/31</a:t>
             </a:fld>
             <a:endParaRPr kumimoji="1" lang="ja-JP" altLang="en-US"/>
           </a:p>
@@ -1786,7 +1786,7 @@
           <a:p>
             <a:fld id="{D9EEF076-5A5E-47FD-AACD-14A7E672754C}" type="datetimeFigureOut">
               <a:rPr kumimoji="1" lang="ja-JP" altLang="en-US" smtClean="0"/>
-              <a:t>2016/2/22</a:t>
+              <a:t>2016/5/31</a:t>
             </a:fld>
             <a:endParaRPr kumimoji="1" lang="ja-JP" altLang="en-US"/>
           </a:p>
@@ -2217,7 +2217,7 @@
           <a:p>
             <a:fld id="{D9EEF076-5A5E-47FD-AACD-14A7E672754C}" type="datetimeFigureOut">
               <a:rPr kumimoji="1" lang="ja-JP" altLang="en-US" smtClean="0"/>
-              <a:t>2016/2/22</a:t>
+              <a:t>2016/5/31</a:t>
             </a:fld>
             <a:endParaRPr kumimoji="1" lang="ja-JP" altLang="en-US"/>
           </a:p>
@@ -2335,7 +2335,7 @@
           <a:p>
             <a:fld id="{D9EEF076-5A5E-47FD-AACD-14A7E672754C}" type="datetimeFigureOut">
               <a:rPr kumimoji="1" lang="ja-JP" altLang="en-US" smtClean="0"/>
-              <a:t>2016/2/22</a:t>
+              <a:t>2016/5/31</a:t>
             </a:fld>
             <a:endParaRPr kumimoji="1" lang="ja-JP" altLang="en-US"/>
           </a:p>
@@ -2430,7 +2430,7 @@
           <a:p>
             <a:fld id="{D9EEF076-5A5E-47FD-AACD-14A7E672754C}" type="datetimeFigureOut">
               <a:rPr kumimoji="1" lang="ja-JP" altLang="en-US" smtClean="0"/>
-              <a:t>2016/2/22</a:t>
+              <a:t>2016/5/31</a:t>
             </a:fld>
             <a:endParaRPr kumimoji="1" lang="ja-JP" altLang="en-US"/>
           </a:p>
@@ -2739,7 +2739,7 @@
           <a:p>
             <a:fld id="{D9EEF076-5A5E-47FD-AACD-14A7E672754C}" type="datetimeFigureOut">
               <a:rPr kumimoji="1" lang="ja-JP" altLang="en-US" smtClean="0"/>
-              <a:t>2016/2/22</a:t>
+              <a:t>2016/5/31</a:t>
             </a:fld>
             <a:endParaRPr kumimoji="1" lang="ja-JP" altLang="en-US"/>
           </a:p>
@@ -2996,7 +2996,7 @@
           <a:p>
             <a:fld id="{D9EEF076-5A5E-47FD-AACD-14A7E672754C}" type="datetimeFigureOut">
               <a:rPr kumimoji="1" lang="ja-JP" altLang="en-US" smtClean="0"/>
-              <a:t>2016/2/22</a:t>
+              <a:t>2016/5/31</a:t>
             </a:fld>
             <a:endParaRPr kumimoji="1" lang="ja-JP" altLang="en-US"/>
           </a:p>
@@ -3241,7 +3241,7 @@
           <a:p>
             <a:fld id="{D9EEF076-5A5E-47FD-AACD-14A7E672754C}" type="datetimeFigureOut">
               <a:rPr kumimoji="1" lang="ja-JP" altLang="en-US" smtClean="0"/>
-              <a:t>2016/2/22</a:t>
+              <a:t>2016/5/31</a:t>
             </a:fld>
             <a:endParaRPr kumimoji="1" lang="ja-JP" altLang="en-US"/>
           </a:p>
@@ -3797,7 +3797,7 @@
         </p:nvSpPr>
         <p:spPr>
           <a:xfrm>
-            <a:off x="6494585" y="3097204"/>
+            <a:off x="6471139" y="3097204"/>
             <a:ext cx="3024553" cy="1087934"/>
           </a:xfrm>
           <a:prstGeom prst="snip1Rect">
@@ -3948,8 +3948,8 @@
         </p:nvCxnSpPr>
         <p:spPr>
           <a:xfrm>
-            <a:off x="9358314" y="495467"/>
-            <a:ext cx="910831" cy="0"/>
+            <a:off x="9401908" y="495467"/>
+            <a:ext cx="867234" cy="0"/>
           </a:xfrm>
           <a:prstGeom prst="straightConnector1">
             <a:avLst/>
@@ -3981,8 +3981,8 @@
         </p:nvSpPr>
         <p:spPr>
           <a:xfrm>
-            <a:off x="6686549" y="129587"/>
-            <a:ext cx="2671762" cy="731760"/>
+            <a:off x="6547717" y="129587"/>
+            <a:ext cx="2854191" cy="731760"/>
           </a:xfrm>
           <a:prstGeom prst="rect">
             <a:avLst/>
@@ -4025,8 +4025,26 @@
                 <a:latin typeface="メイリオ" panose="020B0604030504040204" pitchFamily="50" charset="-128"/>
                 <a:ea typeface="メイリオ" panose="020B0604030504040204" pitchFamily="50" charset="-128"/>
               </a:rPr>
-              <a:t> program</a:t>
-            </a:r>
+              <a:t> </a:t>
+            </a:r>
+            <a:r>
+              <a:rPr lang="en-US" altLang="ja-JP" sz="2000" dirty="0" smtClean="0">
+                <a:latin typeface="メイリオ" panose="020B0604030504040204" pitchFamily="50" charset="-128"/>
+                <a:ea typeface="メイリオ" panose="020B0604030504040204" pitchFamily="50" charset="-128"/>
+              </a:rPr>
+              <a:t>Applicatio</a:t>
+            </a:r>
+            <a:r>
+              <a:rPr lang="en-US" altLang="ja-JP" sz="2000" dirty="0">
+                <a:latin typeface="メイリオ" panose="020B0604030504040204" pitchFamily="50" charset="-128"/>
+                <a:ea typeface="メイリオ" panose="020B0604030504040204" pitchFamily="50" charset="-128"/>
+              </a:rPr>
+              <a:t>n</a:t>
+            </a:r>
+            <a:endParaRPr lang="en-US" altLang="ja-JP" sz="2000" dirty="0">
+              <a:latin typeface="メイリオ" panose="020B0604030504040204" pitchFamily="50" charset="-128"/>
+              <a:ea typeface="メイリオ" panose="020B0604030504040204" pitchFamily="50" charset="-128"/>
+            </a:endParaRPr>
           </a:p>
         </p:txBody>
       </p:sp>
@@ -4041,8 +4059,8 @@
         </p:nvCxnSpPr>
         <p:spPr>
           <a:xfrm>
-            <a:off x="5775725" y="495467"/>
-            <a:ext cx="910827" cy="0"/>
+            <a:off x="5775722" y="495467"/>
+            <a:ext cx="771995" cy="0"/>
           </a:xfrm>
           <a:prstGeom prst="straightConnector1">
             <a:avLst/>
@@ -4250,7 +4268,7 @@
         </p:blipFill>
         <p:spPr>
           <a:xfrm rot="16200000">
-            <a:off x="7653333" y="2125272"/>
+            <a:off x="7629887" y="2125272"/>
             <a:ext cx="691304" cy="1204116"/>
           </a:xfrm>
           <a:prstGeom prst="rect">
@@ -4268,9 +4286,9 @@
           <p:nvPr/>
         </p:nvCxnSpPr>
         <p:spPr>
-          <a:xfrm flipV="1">
-            <a:off x="8006862" y="861347"/>
-            <a:ext cx="15568" cy="2235857"/>
+          <a:xfrm flipH="1" flipV="1">
+            <a:off x="7974813" y="861347"/>
+            <a:ext cx="8603" cy="2235857"/>
           </a:xfrm>
           <a:prstGeom prst="straightConnector1">
             <a:avLst/>
